--- a/03_Proiectarea BD prin normalizare/03f_Normalizare_Caz3_Catering_CuAnimatie.pptx
+++ b/03_Proiectarea BD prin normalizare/03f_Normalizare_Caz3_Catering_CuAnimatie.pptx
@@ -137,6 +137,58 @@
 </p:presentation>
 </file>
 
+<file path=ppt/revisionInfo.xml><?xml version="1.0" encoding="utf-8"?>
+<p1510:revInfo xmlns:a="http://schemas.openxmlformats.org/drawingml/2006/main" xmlns:r="http://schemas.openxmlformats.org/officeDocument/2006/relationships" xmlns:p1510="http://schemas.microsoft.com/office/powerpoint/2015/10/main">
+  <p1510:revLst>
+    <p1510:client id="{81183F24-50A4-7844-B271-053289C911A7}" v="2" dt="2022-05-11T11:03:40.452"/>
+  </p1510:revLst>
+</p1510:revInfo>
+</file>
+
+<file path=ppt/changesInfos/changesInfo1.xml><?xml version="1.0" encoding="utf-8"?>
+<pc:chgInfo xmlns:a="http://schemas.openxmlformats.org/drawingml/2006/main" xmlns:r="http://schemas.openxmlformats.org/officeDocument/2006/relationships" xmlns:ac="http://schemas.microsoft.com/office/drawing/2013/main/command" xmlns:pc="http://schemas.microsoft.com/office/powerpoint/2013/main/command">
+  <pc:docChgLst>
+    <pc:chgData name="Marin Fotache" userId="9233cd031198ef03" providerId="LiveId" clId="{81183F24-50A4-7844-B271-053289C911A7}"/>
+    <pc:docChg chg="custSel modSld">
+      <pc:chgData name="Marin Fotache" userId="9233cd031198ef03" providerId="LiveId" clId="{81183F24-50A4-7844-B271-053289C911A7}" dt="2022-05-11T11:03:41.709" v="3" actId="20577"/>
+      <pc:docMkLst>
+        <pc:docMk/>
+      </pc:docMkLst>
+      <pc:sldChg chg="modSp mod">
+        <pc:chgData name="Marin Fotache" userId="9233cd031198ef03" providerId="LiveId" clId="{81183F24-50A4-7844-B271-053289C911A7}" dt="2022-05-11T11:03:39.283" v="1" actId="27636"/>
+        <pc:sldMkLst>
+          <pc:docMk/>
+          <pc:sldMk cId="0" sldId="256"/>
+        </pc:sldMkLst>
+        <pc:spChg chg="mod">
+          <ac:chgData name="Marin Fotache" userId="9233cd031198ef03" providerId="LiveId" clId="{81183F24-50A4-7844-B271-053289C911A7}" dt="2022-05-11T11:03:39.283" v="1" actId="27636"/>
+          <ac:spMkLst>
+            <pc:docMk/>
+            <pc:sldMk cId="0" sldId="256"/>
+            <ac:spMk id="105" creationId="{00000000-0000-0000-0000-000000000000}"/>
+          </ac:spMkLst>
+        </pc:spChg>
+      </pc:sldChg>
+      <pc:sldChg chg="modSp mod">
+        <pc:chgData name="Marin Fotache" userId="9233cd031198ef03" providerId="LiveId" clId="{81183F24-50A4-7844-B271-053289C911A7}" dt="2022-05-11T11:03:41.709" v="3" actId="20577"/>
+        <pc:sldMkLst>
+          <pc:docMk/>
+          <pc:sldMk cId="3413750183" sldId="275"/>
+        </pc:sldMkLst>
+        <pc:spChg chg="mod">
+          <ac:chgData name="Marin Fotache" userId="9233cd031198ef03" providerId="LiveId" clId="{81183F24-50A4-7844-B271-053289C911A7}" dt="2022-05-11T11:03:41.709" v="3" actId="20577"/>
+          <ac:spMkLst>
+            <pc:docMk/>
+            <pc:sldMk cId="3413750183" sldId="275"/>
+            <ac:spMk id="3" creationId="{00000000-0000-0000-0000-000000000000}"/>
+          </ac:spMkLst>
+        </pc:spChg>
+      </pc:sldChg>
+    </pc:docChg>
+  </pc:docChgLst>
+</pc:chgInfo>
+</file>
+
 <file path=ppt/notesMasters/notesMaster1.xml><?xml version="1.0" encoding="utf-8"?>
 <p:notesMaster xmlns:a="http://schemas.openxmlformats.org/drawingml/2006/main" xmlns:r="http://schemas.openxmlformats.org/officeDocument/2006/relationships" xmlns:p="http://schemas.openxmlformats.org/presentationml/2006/main">
   <p:cSld>
@@ -220,7 +272,7 @@
             <a:fld id="{1C71D2D3-942A-4D09-BD88-587C35145E08}" type="datetimeFigureOut">
               <a:rPr lang="en-US" smtClean="0"/>
               <a:pPr/>
-              <a:t>2/26/20</a:t>
+              <a:t>5/11/22</a:t>
             </a:fld>
             <a:endParaRPr lang="en-US"/>
           </a:p>
@@ -1605,7 +1657,7 @@
             <a:fld id="{90F59530-A8DA-4467-B30A-C39310BAD3D2}" type="datetimeFigureOut">
               <a:rPr lang="en-US" smtClean="0"/>
               <a:pPr/>
-              <a:t>2/26/20</a:t>
+              <a:t>5/11/22</a:t>
             </a:fld>
             <a:endParaRPr lang="en-US"/>
           </a:p>
@@ -1905,7 +1957,7 @@
             <a:fld id="{90F59530-A8DA-4467-B30A-C39310BAD3D2}" type="datetimeFigureOut">
               <a:rPr lang="en-US" smtClean="0"/>
               <a:pPr/>
-              <a:t>2/26/20</a:t>
+              <a:t>5/11/22</a:t>
             </a:fld>
             <a:endParaRPr lang="en-US"/>
           </a:p>
@@ -2081,7 +2133,7 @@
             <a:fld id="{90F59530-A8DA-4467-B30A-C39310BAD3D2}" type="datetimeFigureOut">
               <a:rPr lang="en-US" smtClean="0"/>
               <a:pPr/>
-              <a:t>2/26/20</a:t>
+              <a:t>5/11/22</a:t>
             </a:fld>
             <a:endParaRPr lang="en-US"/>
           </a:p>
@@ -2247,7 +2299,7 @@
             <a:fld id="{90F59530-A8DA-4467-B30A-C39310BAD3D2}" type="datetimeFigureOut">
               <a:rPr lang="en-US" smtClean="0"/>
               <a:pPr/>
-              <a:t>2/26/20</a:t>
+              <a:t>5/11/22</a:t>
             </a:fld>
             <a:endParaRPr lang="en-US"/>
           </a:p>
@@ -2508,7 +2560,7 @@
             <a:fld id="{90F59530-A8DA-4467-B30A-C39310BAD3D2}" type="datetimeFigureOut">
               <a:rPr lang="en-US" smtClean="0"/>
               <a:pPr/>
-              <a:t>2/26/20</a:t>
+              <a:t>5/11/22</a:t>
             </a:fld>
             <a:endParaRPr lang="en-US"/>
           </a:p>
@@ -2963,7 +3015,7 @@
             <a:fld id="{90F59530-A8DA-4467-B30A-C39310BAD3D2}" type="datetimeFigureOut">
               <a:rPr lang="en-US" smtClean="0"/>
               <a:pPr/>
-              <a:t>2/26/20</a:t>
+              <a:t>5/11/22</a:t>
             </a:fld>
             <a:endParaRPr lang="en-US"/>
           </a:p>
@@ -3447,7 +3499,7 @@
             <a:fld id="{90F59530-A8DA-4467-B30A-C39310BAD3D2}" type="datetimeFigureOut">
               <a:rPr lang="en-US" smtClean="0"/>
               <a:pPr/>
-              <a:t>2/26/20</a:t>
+              <a:t>5/11/22</a:t>
             </a:fld>
             <a:endParaRPr lang="en-US"/>
           </a:p>
@@ -3566,7 +3618,7 @@
             <a:fld id="{90F59530-A8DA-4467-B30A-C39310BAD3D2}" type="datetimeFigureOut">
               <a:rPr lang="en-US" smtClean="0"/>
               <a:pPr/>
-              <a:t>2/26/20</a:t>
+              <a:t>5/11/22</a:t>
             </a:fld>
             <a:endParaRPr lang="en-US"/>
           </a:p>
@@ -3704,7 +3756,7 @@
             <a:fld id="{90F59530-A8DA-4467-B30A-C39310BAD3D2}" type="datetimeFigureOut">
               <a:rPr lang="en-US" smtClean="0"/>
               <a:pPr/>
-              <a:t>2/26/20</a:t>
+              <a:t>5/11/22</a:t>
             </a:fld>
             <a:endParaRPr lang="en-US"/>
           </a:p>
@@ -4019,7 +4071,7 @@
             <a:fld id="{90F59530-A8DA-4467-B30A-C39310BAD3D2}" type="datetimeFigureOut">
               <a:rPr lang="en-US" smtClean="0"/>
               <a:pPr/>
-              <a:t>2/26/20</a:t>
+              <a:t>5/11/22</a:t>
             </a:fld>
             <a:endParaRPr lang="en-US"/>
           </a:p>
@@ -4148,7 +4200,7 @@
             <a:fld id="{90F59530-A8DA-4467-B30A-C39310BAD3D2}" type="datetimeFigureOut">
               <a:rPr lang="en-US" smtClean="0"/>
               <a:pPr/>
-              <a:t>2/26/20</a:t>
+              <a:t>5/11/22</a:t>
             </a:fld>
             <a:endParaRPr lang="en-US"/>
           </a:p>
@@ -4907,7 +4959,7 @@
             <a:fld id="{90F59530-A8DA-4467-B30A-C39310BAD3D2}" type="datetimeFigureOut">
               <a:rPr lang="en-US" smtClean="0"/>
               <a:pPr/>
-              <a:t>2/26/20</a:t>
+              <a:t>5/11/22</a:t>
             </a:fld>
             <a:endParaRPr lang="en-US"/>
           </a:p>
@@ -10317,7 +10369,7 @@
         </p:nvSpPr>
         <p:spPr>
           <a:xfrm>
-            <a:off x="4554072" y="3738282"/>
+            <a:off x="4554072" y="3573027"/>
             <a:ext cx="4589928" cy="3671047"/>
           </a:xfrm>
           <a:prstGeom prst="rect">
@@ -10350,7 +10402,7 @@
               <a:defRPr/>
             </a:pPr>
             <a:r>
-              <a:rPr kumimoji="0" lang="ro-RO" sz="2600" b="0" i="0" u="none" strike="noStrike" kern="1200" cap="none" spc="0" normalizeH="0" baseline="0" noProof="0">
+              <a:rPr kumimoji="0" lang="ro-RO" sz="2600" b="0" i="0" u="none" strike="noStrike" kern="1200" cap="none" spc="0" normalizeH="0" baseline="0" noProof="0" dirty="0" err="1">
                 <a:ln>
                   <a:noFill/>
                 </a:ln>
@@ -10367,10 +10419,10 @@
                 <a:ea typeface="+mn-ea"/>
                 <a:cs typeface="+mn-cs"/>
               </a:rPr>
-              <a:t>Clienţii pot fi persoane fizice (PF) sau firme</a:t>
-            </a:r>
-            <a:r>
-              <a:rPr kumimoji="0" lang="en-US" sz="2600" b="0" i="0" u="none" strike="noStrike" kern="1200" cap="none" spc="0" normalizeH="0" baseline="0" noProof="0">
+              <a:t>Clienţii</a:t>
+            </a:r>
+            <a:r>
+              <a:rPr kumimoji="0" lang="ro-RO" sz="2600" b="0" i="0" u="none" strike="noStrike" kern="1200" cap="none" spc="0" normalizeH="0" baseline="0" noProof="0" dirty="0">
                 <a:ln>
                   <a:noFill/>
                 </a:ln>
@@ -10387,10 +10439,50 @@
                 <a:ea typeface="+mn-ea"/>
                 <a:cs typeface="+mn-cs"/>
               </a:rPr>
-              <a:t>/organiza</a:t>
-            </a:r>
-            <a:r>
-              <a:rPr kumimoji="0" lang="ro-RO" sz="2600" b="0" i="0" u="none" strike="noStrike" kern="1200" cap="none" spc="0" normalizeH="0" baseline="0" noProof="0">
+              <a:t> pot fi persoane fizice (PF) sau firme</a:t>
+            </a:r>
+            <a:r>
+              <a:rPr kumimoji="0" lang="en-US" sz="2600" b="0" i="0" u="none" strike="noStrike" kern="1200" cap="none" spc="0" normalizeH="0" baseline="0" noProof="0" dirty="0">
+                <a:ln>
+                  <a:noFill/>
+                </a:ln>
+                <a:solidFill>
+                  <a:schemeClr val="tx2">
+                    <a:shade val="30000"/>
+                    <a:satMod val="150000"/>
+                  </a:schemeClr>
+                </a:solidFill>
+                <a:effectLst/>
+                <a:uLnTx/>
+                <a:uFillTx/>
+                <a:latin typeface="+mn-lt"/>
+                <a:ea typeface="+mn-ea"/>
+                <a:cs typeface="+mn-cs"/>
+              </a:rPr>
+              <a:t>/</a:t>
+            </a:r>
+            <a:r>
+              <a:rPr kumimoji="0" lang="en-US" sz="2600" b="0" i="0" u="none" strike="noStrike" kern="1200" cap="none" spc="0" normalizeH="0" baseline="0" noProof="0" dirty="0" err="1">
+                <a:ln>
+                  <a:noFill/>
+                </a:ln>
+                <a:solidFill>
+                  <a:schemeClr val="tx2">
+                    <a:shade val="30000"/>
+                    <a:satMod val="150000"/>
+                  </a:schemeClr>
+                </a:solidFill>
+                <a:effectLst/>
+                <a:uLnTx/>
+                <a:uFillTx/>
+                <a:latin typeface="+mn-lt"/>
+                <a:ea typeface="+mn-ea"/>
+                <a:cs typeface="+mn-cs"/>
+              </a:rPr>
+              <a:t>organiza</a:t>
+            </a:r>
+            <a:r>
+              <a:rPr kumimoji="0" lang="ro-RO" sz="2600" b="0" i="0" u="none" strike="noStrike" kern="1200" cap="none" spc="0" normalizeH="0" baseline="0" noProof="0" dirty="0" err="1">
                 <a:ln>
                   <a:noFill/>
                 </a:ln>
@@ -10410,7 +10502,7 @@
               <a:t>ţ</a:t>
             </a:r>
             <a:r>
-              <a:rPr kumimoji="0" lang="en-US" sz="2600" b="0" i="0" u="none" strike="noStrike" kern="1200" cap="none" spc="0" normalizeH="0" baseline="0" noProof="0">
+              <a:rPr kumimoji="0" lang="en-US" sz="2600" b="0" i="0" u="none" strike="noStrike" kern="1200" cap="none" spc="0" normalizeH="0" baseline="0" noProof="0" dirty="0">
                 <a:ln>
                   <a:noFill/>
                 </a:ln>
@@ -10430,7 +10522,7 @@
               <a:t>ii</a:t>
             </a:r>
             <a:r>
-              <a:rPr kumimoji="0" lang="ro-RO" sz="2600" b="0" i="0" u="none" strike="noStrike" kern="1200" cap="none" spc="0" normalizeH="0" baseline="0" noProof="0">
+              <a:rPr kumimoji="0" lang="ro-RO" sz="2600" b="0" i="0" u="none" strike="noStrike" kern="1200" cap="none" spc="0" normalizeH="0" baseline="0" noProof="0" dirty="0">
                 <a:ln>
                   <a:noFill/>
                 </a:ln>
@@ -10471,7 +10563,7 @@
               <a:defRPr/>
             </a:pPr>
             <a:r>
-              <a:rPr kumimoji="0" lang="ro-RO" sz="2600" b="0" i="0" u="none" strike="noStrike" kern="1200" cap="none" spc="0" normalizeH="0" baseline="0" noProof="0">
+              <a:rPr kumimoji="0" lang="ro-RO" sz="2600" b="0" i="0" u="none" strike="noStrike" kern="1200" cap="none" spc="0" normalizeH="0" baseline="0" noProof="0" dirty="0">
                 <a:ln>
                   <a:noFill/>
                 </a:ln>
@@ -10488,8 +10580,165 @@
                 <a:ea typeface="+mn-ea"/>
                 <a:cs typeface="+mn-cs"/>
               </a:rPr>
-              <a:t>Pentru clienţii PF interesează CNP, ocupaţia şi funcţia</a:t>
-            </a:r>
+              <a:t>Pentru </a:t>
+            </a:r>
+            <a:r>
+              <a:rPr kumimoji="0" lang="ro-RO" sz="2600" b="0" i="0" u="none" strike="noStrike" kern="1200" cap="none" spc="0" normalizeH="0" baseline="0" noProof="0" dirty="0" err="1">
+                <a:ln>
+                  <a:noFill/>
+                </a:ln>
+                <a:solidFill>
+                  <a:schemeClr val="tx2">
+                    <a:shade val="30000"/>
+                    <a:satMod val="150000"/>
+                  </a:schemeClr>
+                </a:solidFill>
+                <a:effectLst/>
+                <a:uLnTx/>
+                <a:uFillTx/>
+                <a:latin typeface="+mn-lt"/>
+                <a:ea typeface="+mn-ea"/>
+                <a:cs typeface="+mn-cs"/>
+              </a:rPr>
+              <a:t>clienţii</a:t>
+            </a:r>
+            <a:r>
+              <a:rPr kumimoji="0" lang="ro-RO" sz="2600" b="0" i="0" u="none" strike="noStrike" kern="1200" cap="none" spc="0" normalizeH="0" baseline="0" noProof="0" dirty="0">
+                <a:ln>
+                  <a:noFill/>
+                </a:ln>
+                <a:solidFill>
+                  <a:schemeClr val="tx2">
+                    <a:shade val="30000"/>
+                    <a:satMod val="150000"/>
+                  </a:schemeClr>
+                </a:solidFill>
+                <a:effectLst/>
+                <a:uLnTx/>
+                <a:uFillTx/>
+                <a:latin typeface="+mn-lt"/>
+                <a:ea typeface="+mn-ea"/>
+                <a:cs typeface="+mn-cs"/>
+              </a:rPr>
+              <a:t> PF interesează CNP, </a:t>
+            </a:r>
+            <a:r>
+              <a:rPr kumimoji="0" lang="ro-RO" sz="2600" b="0" i="0" u="none" strike="noStrike" kern="1200" cap="none" spc="0" normalizeH="0" baseline="0" noProof="0" dirty="0" err="1">
+                <a:ln>
+                  <a:noFill/>
+                </a:ln>
+                <a:solidFill>
+                  <a:schemeClr val="tx2">
+                    <a:shade val="30000"/>
+                    <a:satMod val="150000"/>
+                  </a:schemeClr>
+                </a:solidFill>
+                <a:effectLst/>
+                <a:uLnTx/>
+                <a:uFillTx/>
+                <a:latin typeface="+mn-lt"/>
+                <a:ea typeface="+mn-ea"/>
+                <a:cs typeface="+mn-cs"/>
+              </a:rPr>
+              <a:t>ocupaţia</a:t>
+            </a:r>
+            <a:r>
+              <a:rPr kumimoji="0" lang="ro-RO" sz="2600" b="0" i="0" u="none" strike="noStrike" kern="1200" cap="none" spc="0" normalizeH="0" baseline="0" noProof="0" dirty="0">
+                <a:ln>
+                  <a:noFill/>
+                </a:ln>
+                <a:solidFill>
+                  <a:schemeClr val="tx2">
+                    <a:shade val="30000"/>
+                    <a:satMod val="150000"/>
+                  </a:schemeClr>
+                </a:solidFill>
+                <a:effectLst/>
+                <a:uLnTx/>
+                <a:uFillTx/>
+                <a:latin typeface="+mn-lt"/>
+                <a:ea typeface="+mn-ea"/>
+                <a:cs typeface="+mn-cs"/>
+              </a:rPr>
+              <a:t> </a:t>
+            </a:r>
+            <a:r>
+              <a:rPr kumimoji="0" lang="ro-RO" sz="2600" b="0" i="0" u="none" strike="noStrike" kern="1200" cap="none" spc="0" normalizeH="0" baseline="0" noProof="0" dirty="0" err="1">
+                <a:ln>
+                  <a:noFill/>
+                </a:ln>
+                <a:solidFill>
+                  <a:schemeClr val="tx2">
+                    <a:shade val="30000"/>
+                    <a:satMod val="150000"/>
+                  </a:schemeClr>
+                </a:solidFill>
+                <a:effectLst/>
+                <a:uLnTx/>
+                <a:uFillTx/>
+                <a:latin typeface="+mn-lt"/>
+                <a:ea typeface="+mn-ea"/>
+                <a:cs typeface="+mn-cs"/>
+              </a:rPr>
+              <a:t>şi</a:t>
+            </a:r>
+            <a:r>
+              <a:rPr kumimoji="0" lang="ro-RO" sz="2600" b="0" i="0" u="none" strike="noStrike" kern="1200" cap="none" spc="0" normalizeH="0" baseline="0" noProof="0" dirty="0">
+                <a:ln>
+                  <a:noFill/>
+                </a:ln>
+                <a:solidFill>
+                  <a:schemeClr val="tx2">
+                    <a:shade val="30000"/>
+                    <a:satMod val="150000"/>
+                  </a:schemeClr>
+                </a:solidFill>
+                <a:effectLst/>
+                <a:uLnTx/>
+                <a:uFillTx/>
+                <a:latin typeface="+mn-lt"/>
+                <a:ea typeface="+mn-ea"/>
+                <a:cs typeface="+mn-cs"/>
+              </a:rPr>
+              <a:t> </a:t>
+            </a:r>
+            <a:r>
+              <a:rPr kumimoji="0" lang="ro-RO" sz="2600" b="0" i="0" u="none" strike="noStrike" kern="1200" cap="none" spc="0" normalizeH="0" baseline="0" noProof="0" dirty="0" err="1">
+                <a:ln>
+                  <a:noFill/>
+                </a:ln>
+                <a:solidFill>
+                  <a:schemeClr val="tx2">
+                    <a:shade val="30000"/>
+                    <a:satMod val="150000"/>
+                  </a:schemeClr>
+                </a:solidFill>
+                <a:effectLst/>
+                <a:uLnTx/>
+                <a:uFillTx/>
+                <a:latin typeface="+mn-lt"/>
+                <a:ea typeface="+mn-ea"/>
+                <a:cs typeface="+mn-cs"/>
+              </a:rPr>
+              <a:t>funcţia</a:t>
+            </a:r>
+            <a:endParaRPr kumimoji="0" lang="ro-RO" sz="2600" b="0" i="0" u="none" strike="noStrike" kern="1200" cap="none" spc="0" normalizeH="0" baseline="0" noProof="0" dirty="0">
+              <a:ln>
+                <a:noFill/>
+              </a:ln>
+              <a:solidFill>
+                <a:schemeClr val="tx2">
+                  <a:shade val="30000"/>
+                  <a:satMod val="150000"/>
+                </a:schemeClr>
+              </a:solidFill>
+              <a:effectLst/>
+              <a:uLnTx/>
+              <a:uFillTx/>
+              <a:latin typeface="+mn-lt"/>
+              <a:ea typeface="+mn-ea"/>
+              <a:cs typeface="+mn-cs"/>
+            </a:endParaRPr>
           </a:p>
           <a:p>
             <a:pPr marL="27432" marR="0" lvl="0" indent="0" algn="l" defTabSz="914400" rtl="0" eaLnBrk="1" fontAlgn="auto" latinLnBrk="0" hangingPunct="1">
@@ -10512,7 +10761,7 @@
               <a:defRPr/>
             </a:pPr>
             <a:r>
-              <a:rPr kumimoji="0" lang="ro-RO" sz="2600" b="0" i="0" u="none" strike="noStrike" kern="1200" cap="none" spc="0" normalizeH="0" baseline="0" noProof="0">
+              <a:rPr kumimoji="0" lang="ro-RO" sz="2600" b="0" i="0" u="none" strike="noStrike" kern="1200" cap="none" spc="0" normalizeH="0" baseline="0" noProof="0" dirty="0">
                 <a:ln>
                   <a:noFill/>
                 </a:ln>
@@ -10529,7 +10778,127 @@
                 <a:ea typeface="+mn-ea"/>
                 <a:cs typeface="+mn-cs"/>
               </a:rPr>
-              <a:t>Pentru clienţii PJ interesează codul fiscal, profilul firmei, numărul angajaţilor şi persoana de contact</a:t>
+              <a:t>Pentru </a:t>
+            </a:r>
+            <a:r>
+              <a:rPr kumimoji="0" lang="ro-RO" sz="2600" b="0" i="0" u="none" strike="noStrike" kern="1200" cap="none" spc="0" normalizeH="0" baseline="0" noProof="0" dirty="0" err="1">
+                <a:ln>
+                  <a:noFill/>
+                </a:ln>
+                <a:solidFill>
+                  <a:schemeClr val="tx2">
+                    <a:shade val="30000"/>
+                    <a:satMod val="150000"/>
+                  </a:schemeClr>
+                </a:solidFill>
+                <a:effectLst/>
+                <a:uLnTx/>
+                <a:uFillTx/>
+                <a:latin typeface="+mn-lt"/>
+                <a:ea typeface="+mn-ea"/>
+                <a:cs typeface="+mn-cs"/>
+              </a:rPr>
+              <a:t>clienţii</a:t>
+            </a:r>
+            <a:r>
+              <a:rPr kumimoji="0" lang="ro-RO" sz="2600" b="0" i="0" u="none" strike="noStrike" kern="1200" cap="none" spc="0" normalizeH="0" baseline="0" noProof="0" dirty="0">
+                <a:ln>
+                  <a:noFill/>
+                </a:ln>
+                <a:solidFill>
+                  <a:schemeClr val="tx2">
+                    <a:shade val="30000"/>
+                    <a:satMod val="150000"/>
+                  </a:schemeClr>
+                </a:solidFill>
+                <a:effectLst/>
+                <a:uLnTx/>
+                <a:uFillTx/>
+                <a:latin typeface="+mn-lt"/>
+                <a:ea typeface="+mn-ea"/>
+                <a:cs typeface="+mn-cs"/>
+              </a:rPr>
+              <a:t> PJ interesează codul fiscal, profilul firmei, numărul </a:t>
+            </a:r>
+            <a:r>
+              <a:rPr kumimoji="0" lang="ro-RO" sz="2600" b="0" i="0" u="none" strike="noStrike" kern="1200" cap="none" spc="0" normalizeH="0" baseline="0" noProof="0" dirty="0" err="1">
+                <a:ln>
+                  <a:noFill/>
+                </a:ln>
+                <a:solidFill>
+                  <a:schemeClr val="tx2">
+                    <a:shade val="30000"/>
+                    <a:satMod val="150000"/>
+                  </a:schemeClr>
+                </a:solidFill>
+                <a:effectLst/>
+                <a:uLnTx/>
+                <a:uFillTx/>
+                <a:latin typeface="+mn-lt"/>
+                <a:ea typeface="+mn-ea"/>
+                <a:cs typeface="+mn-cs"/>
+              </a:rPr>
+              <a:t>angajaţilor</a:t>
+            </a:r>
+            <a:r>
+              <a:rPr kumimoji="0" lang="ro-RO" sz="2600" b="0" i="0" u="none" strike="noStrike" kern="1200" cap="none" spc="0" normalizeH="0" baseline="0" noProof="0" dirty="0">
+                <a:ln>
+                  <a:noFill/>
+                </a:ln>
+                <a:solidFill>
+                  <a:schemeClr val="tx2">
+                    <a:shade val="30000"/>
+                    <a:satMod val="150000"/>
+                  </a:schemeClr>
+                </a:solidFill>
+                <a:effectLst/>
+                <a:uLnTx/>
+                <a:uFillTx/>
+                <a:latin typeface="+mn-lt"/>
+                <a:ea typeface="+mn-ea"/>
+                <a:cs typeface="+mn-cs"/>
+              </a:rPr>
+              <a:t> </a:t>
+            </a:r>
+            <a:r>
+              <a:rPr kumimoji="0" lang="ro-RO" sz="2600" b="0" i="0" u="none" strike="noStrike" kern="1200" cap="none" spc="0" normalizeH="0" baseline="0" noProof="0" dirty="0" err="1">
+                <a:ln>
+                  <a:noFill/>
+                </a:ln>
+                <a:solidFill>
+                  <a:schemeClr val="tx2">
+                    <a:shade val="30000"/>
+                    <a:satMod val="150000"/>
+                  </a:schemeClr>
+                </a:solidFill>
+                <a:effectLst/>
+                <a:uLnTx/>
+                <a:uFillTx/>
+                <a:latin typeface="+mn-lt"/>
+                <a:ea typeface="+mn-ea"/>
+                <a:cs typeface="+mn-cs"/>
+              </a:rPr>
+              <a:t>şi</a:t>
+            </a:r>
+            <a:r>
+              <a:rPr kumimoji="0" lang="ro-RO" sz="2600" b="0" i="0" u="none" strike="noStrike" kern="1200" cap="none" spc="0" normalizeH="0" baseline="0" noProof="0" dirty="0">
+                <a:ln>
+                  <a:noFill/>
+                </a:ln>
+                <a:solidFill>
+                  <a:schemeClr val="tx2">
+                    <a:shade val="30000"/>
+                    <a:satMod val="150000"/>
+                  </a:schemeClr>
+                </a:solidFill>
+                <a:effectLst/>
+                <a:uLnTx/>
+                <a:uFillTx/>
+                <a:latin typeface="+mn-lt"/>
+                <a:ea typeface="+mn-ea"/>
+                <a:cs typeface="+mn-cs"/>
+              </a:rPr>
+              <a:t> persoana de contact</a:t>
             </a:r>
           </a:p>
         </p:txBody>
@@ -18877,7 +19246,7 @@
         </p:spPr>
         <p:txBody>
           <a:bodyPr tIns="0">
-            <a:normAutofit lnSpcReduction="10000"/>
+            <a:normAutofit/>
           </a:bodyPr>
           <a:lstStyle/>
           <a:p>
@@ -30267,7 +30636,7 @@
                 <a:cs typeface="Avenir Book" charset="0"/>
                 <a:hlinkClick r:id="rId3"/>
               </a:rPr>
-              <a:t>https://1drv.ms/v/s!AgPvmBEDzTOSwRfaqgNomi4iOM2l</a:t>
+              <a:t>https://1drv.ms/v/s!AgPvmBEDzTOSjrttqrHQ20xy9vTSww?e=qgGMee</a:t>
             </a:r>
             <a:endParaRPr lang="ro-RO" dirty="0">
               <a:latin typeface="Avenir Book" charset="0"/>
